--- a/codes/simulate-SFig1/SFig.pptx
+++ b/codes/simulate-SFig1/SFig.pptx
@@ -243,7 +243,7 @@
           <a:p>
             <a:fld id="{1A055E0E-F744-A846-979B-447A7D44822A}" type="datetimeFigureOut">
               <a:rPr lang="en-TH" smtClean="0"/>
-              <a:t>30/4/2024 R</a:t>
+              <a:t>22/5/2024 R</a:t>
             </a:fld>
             <a:endParaRPr lang="en-TH"/>
           </a:p>
@@ -413,7 +413,7 @@
           <a:p>
             <a:fld id="{1A055E0E-F744-A846-979B-447A7D44822A}" type="datetimeFigureOut">
               <a:rPr lang="en-TH" smtClean="0"/>
-              <a:t>30/4/2024 R</a:t>
+              <a:t>22/5/2024 R</a:t>
             </a:fld>
             <a:endParaRPr lang="en-TH"/>
           </a:p>
@@ -593,7 +593,7 @@
           <a:p>
             <a:fld id="{1A055E0E-F744-A846-979B-447A7D44822A}" type="datetimeFigureOut">
               <a:rPr lang="en-TH" smtClean="0"/>
-              <a:t>30/4/2024 R</a:t>
+              <a:t>22/5/2024 R</a:t>
             </a:fld>
             <a:endParaRPr lang="en-TH"/>
           </a:p>
@@ -763,7 +763,7 @@
           <a:p>
             <a:fld id="{1A055E0E-F744-A846-979B-447A7D44822A}" type="datetimeFigureOut">
               <a:rPr lang="en-TH" smtClean="0"/>
-              <a:t>30/4/2024 R</a:t>
+              <a:t>22/5/2024 R</a:t>
             </a:fld>
             <a:endParaRPr lang="en-TH"/>
           </a:p>
@@ -1007,7 +1007,7 @@
           <a:p>
             <a:fld id="{1A055E0E-F744-A846-979B-447A7D44822A}" type="datetimeFigureOut">
               <a:rPr lang="en-TH" smtClean="0"/>
-              <a:t>30/4/2024 R</a:t>
+              <a:t>22/5/2024 R</a:t>
             </a:fld>
             <a:endParaRPr lang="en-TH"/>
           </a:p>
@@ -1239,7 +1239,7 @@
           <a:p>
             <a:fld id="{1A055E0E-F744-A846-979B-447A7D44822A}" type="datetimeFigureOut">
               <a:rPr lang="en-TH" smtClean="0"/>
-              <a:t>30/4/2024 R</a:t>
+              <a:t>22/5/2024 R</a:t>
             </a:fld>
             <a:endParaRPr lang="en-TH"/>
           </a:p>
@@ -1606,7 +1606,7 @@
           <a:p>
             <a:fld id="{1A055E0E-F744-A846-979B-447A7D44822A}" type="datetimeFigureOut">
               <a:rPr lang="en-TH" smtClean="0"/>
-              <a:t>30/4/2024 R</a:t>
+              <a:t>22/5/2024 R</a:t>
             </a:fld>
             <a:endParaRPr lang="en-TH"/>
           </a:p>
@@ -1724,7 +1724,7 @@
           <a:p>
             <a:fld id="{1A055E0E-F744-A846-979B-447A7D44822A}" type="datetimeFigureOut">
               <a:rPr lang="en-TH" smtClean="0"/>
-              <a:t>30/4/2024 R</a:t>
+              <a:t>22/5/2024 R</a:t>
             </a:fld>
             <a:endParaRPr lang="en-TH"/>
           </a:p>
@@ -1819,7 +1819,7 @@
           <a:p>
             <a:fld id="{1A055E0E-F744-A846-979B-447A7D44822A}" type="datetimeFigureOut">
               <a:rPr lang="en-TH" smtClean="0"/>
-              <a:t>30/4/2024 R</a:t>
+              <a:t>22/5/2024 R</a:t>
             </a:fld>
             <a:endParaRPr lang="en-TH"/>
           </a:p>
@@ -2096,7 +2096,7 @@
           <a:p>
             <a:fld id="{1A055E0E-F744-A846-979B-447A7D44822A}" type="datetimeFigureOut">
               <a:rPr lang="en-TH" smtClean="0"/>
-              <a:t>30/4/2024 R</a:t>
+              <a:t>22/5/2024 R</a:t>
             </a:fld>
             <a:endParaRPr lang="en-TH"/>
           </a:p>
@@ -2353,7 +2353,7 @@
           <a:p>
             <a:fld id="{1A055E0E-F744-A846-979B-447A7D44822A}" type="datetimeFigureOut">
               <a:rPr lang="en-TH" smtClean="0"/>
-              <a:t>30/4/2024 R</a:t>
+              <a:t>22/5/2024 R</a:t>
             </a:fld>
             <a:endParaRPr lang="en-TH"/>
           </a:p>
@@ -2566,7 +2566,7 @@
           <a:p>
             <a:fld id="{1A055E0E-F744-A846-979B-447A7D44822A}" type="datetimeFigureOut">
               <a:rPr lang="en-TH" smtClean="0"/>
-              <a:t>30/4/2024 R</a:t>
+              <a:t>22/5/2024 R</a:t>
             </a:fld>
             <a:endParaRPr lang="en-TH"/>
           </a:p>
@@ -3000,78 +3000,6 @@
           </a:prstGeom>
         </p:spPr>
       </p:pic>
-      <p:sp>
-        <p:nvSpPr>
-          <p:cNvPr id="4" name="TextBox 3">
-            <a:extLst>
-              <a:ext uri="{FF2B5EF4-FFF2-40B4-BE49-F238E27FC236}">
-                <a16:creationId xmlns:a16="http://schemas.microsoft.com/office/drawing/2014/main" id="{8D4F71E2-9801-C844-B5AE-4FA0F28A4CF5}"/>
-              </a:ext>
-            </a:extLst>
-          </p:cNvPr>
-          <p:cNvSpPr txBox="1"/>
-          <p:nvPr/>
-        </p:nvSpPr>
-        <p:spPr>
-          <a:xfrm>
-            <a:off x="6559919" y="1474200"/>
-            <a:ext cx="2027925" cy="415498"/>
-          </a:xfrm>
-          <a:prstGeom prst="rect">
-            <a:avLst/>
-          </a:prstGeom>
-          <a:noFill/>
-        </p:spPr>
-        <p:txBody>
-          <a:bodyPr wrap="square" rtlCol="0">
-            <a:spAutoFit/>
-          </a:bodyPr>
-          <a:lstStyle/>
-          <a:p>
-            <a:r>
-              <a:rPr lang="en-US" sz="1050" dirty="0">
-                <a:solidFill>
-                  <a:schemeClr val="bg2">
-                    <a:lumMod val="25000"/>
-                  </a:schemeClr>
-                </a:solidFill>
-                <a:latin typeface="Times New Roman" panose="02020603050405020304" pitchFamily="18" charset="0"/>
-                <a:ea typeface="Cambria Math" panose="02040503050406030204" pitchFamily="18" charset="0"/>
-                <a:cs typeface="Times New Roman" panose="02020603050405020304" pitchFamily="18" charset="0"/>
-              </a:rPr>
-              <a:t>X</a:t>
-            </a:r>
-            <a:r>
-              <a:rPr lang="en-TH" sz="1050" dirty="0">
-                <a:solidFill>
-                  <a:schemeClr val="bg2">
-                    <a:lumMod val="25000"/>
-                  </a:schemeClr>
-                </a:solidFill>
-                <a:latin typeface="Times New Roman" panose="02020603050405020304" pitchFamily="18" charset="0"/>
-                <a:ea typeface="Cambria Math" panose="02040503050406030204" pitchFamily="18" charset="0"/>
-                <a:cs typeface="Times New Roman" panose="02020603050405020304" pitchFamily="18" charset="0"/>
-              </a:rPr>
-              <a:t> = Inconsistent with experiment</a:t>
-            </a:r>
-          </a:p>
-          <a:p>
-            <a:r>
-              <a:rPr lang="en-TH" sz="1050" dirty="0">
-                <a:solidFill>
-                  <a:schemeClr val="bg2">
-                    <a:lumMod val="25000"/>
-                  </a:schemeClr>
-                </a:solidFill>
-                <a:latin typeface="Times New Roman" panose="02020603050405020304" pitchFamily="18" charset="0"/>
-                <a:ea typeface="Cambria Math" panose="02040503050406030204" pitchFamily="18" charset="0"/>
-                <a:cs typeface="Times New Roman" panose="02020603050405020304" pitchFamily="18" charset="0"/>
-              </a:rPr>
-              <a:t>•  = Consistent with experiment</a:t>
-            </a:r>
-          </a:p>
-        </p:txBody>
-      </p:sp>
       <p:pic>
         <p:nvPicPr>
           <p:cNvPr id="6" name="Picture 5">
@@ -3130,7 +3058,7 @@
           <a:lstStyle/>
           <a:p>
             <a:r>
-              <a:rPr lang="en-US" sz="1400" b="1" dirty="0">
+              <a:rPr lang="en-US" sz="1400" dirty="0">
                 <a:solidFill>
                   <a:schemeClr val="bg2">
                     <a:lumMod val="25000"/>
@@ -3142,7 +3070,7 @@
               </a:rPr>
               <a:t>A)</a:t>
             </a:r>
-            <a:endParaRPr lang="en-TH" sz="1400" b="1" dirty="0">
+            <a:endParaRPr lang="en-TH" sz="1400" dirty="0">
               <a:solidFill>
                 <a:schemeClr val="bg2">
                   <a:lumMod val="25000"/>
@@ -3184,7 +3112,7 @@
           <a:lstStyle/>
           <a:p>
             <a:r>
-              <a:rPr lang="en-US" sz="1400" b="1" dirty="0">
+              <a:rPr lang="en-US" sz="1400" dirty="0">
                 <a:solidFill>
                   <a:schemeClr val="bg2">
                     <a:lumMod val="25000"/>
@@ -3196,7 +3124,7 @@
               </a:rPr>
               <a:t>B)</a:t>
             </a:r>
-            <a:endParaRPr lang="en-TH" sz="1400" b="1" dirty="0">
+            <a:endParaRPr lang="en-TH" sz="1400" dirty="0">
               <a:solidFill>
                 <a:schemeClr val="bg2">
                   <a:lumMod val="25000"/>
@@ -3209,6 +3137,128 @@
           </a:p>
         </p:txBody>
       </p:sp>
+      <p:grpSp>
+        <p:nvGrpSpPr>
+          <p:cNvPr id="5" name="Group 4">
+            <a:extLst>
+              <a:ext uri="{FF2B5EF4-FFF2-40B4-BE49-F238E27FC236}">
+                <a16:creationId xmlns:a16="http://schemas.microsoft.com/office/drawing/2014/main" id="{75FBF047-1D69-01CB-9844-B12F10E23A3B}"/>
+              </a:ext>
+            </a:extLst>
+          </p:cNvPr>
+          <p:cNvGrpSpPr/>
+          <p:nvPr/>
+        </p:nvGrpSpPr>
+        <p:grpSpPr>
+          <a:xfrm>
+            <a:off x="6574600" y="1421138"/>
+            <a:ext cx="2249384" cy="379289"/>
+            <a:chOff x="6338460" y="1348827"/>
+            <a:chExt cx="2249384" cy="379289"/>
+          </a:xfrm>
+        </p:grpSpPr>
+        <p:sp>
+          <p:nvSpPr>
+            <p:cNvPr id="4" name="TextBox 3">
+              <a:extLst>
+                <a:ext uri="{FF2B5EF4-FFF2-40B4-BE49-F238E27FC236}">
+                  <a16:creationId xmlns:a16="http://schemas.microsoft.com/office/drawing/2014/main" id="{8D4F71E2-9801-C844-B5AE-4FA0F28A4CF5}"/>
+                </a:ext>
+              </a:extLst>
+            </p:cNvPr>
+            <p:cNvSpPr txBox="1"/>
+            <p:nvPr/>
+          </p:nvSpPr>
+          <p:spPr>
+            <a:xfrm>
+              <a:off x="6354501" y="1474200"/>
+              <a:ext cx="2233343" cy="253916"/>
+            </a:xfrm>
+            <a:prstGeom prst="rect">
+              <a:avLst/>
+            </a:prstGeom>
+            <a:noFill/>
+          </p:spPr>
+          <p:txBody>
+            <a:bodyPr wrap="square" rtlCol="0">
+              <a:spAutoFit/>
+            </a:bodyPr>
+            <a:lstStyle/>
+            <a:p>
+              <a:r>
+                <a:rPr lang="en-TH" sz="1000" dirty="0">
+                  <a:solidFill>
+                    <a:schemeClr val="bg2">
+                      <a:lumMod val="25000"/>
+                    </a:schemeClr>
+                  </a:solidFill>
+                  <a:latin typeface="Times New Roman" panose="02020603050405020304" pitchFamily="18" charset="0"/>
+                  <a:ea typeface="Cambria Math" panose="02040503050406030204" pitchFamily="18" charset="0"/>
+                  <a:cs typeface="Times New Roman" panose="02020603050405020304" pitchFamily="18" charset="0"/>
+                </a:rPr>
+                <a:t>•  = Consistent with experiment</a:t>
+              </a:r>
+            </a:p>
+          </p:txBody>
+        </p:sp>
+        <p:sp>
+          <p:nvSpPr>
+            <p:cNvPr id="3" name="TextBox 2">
+              <a:extLst>
+                <a:ext uri="{FF2B5EF4-FFF2-40B4-BE49-F238E27FC236}">
+                  <a16:creationId xmlns:a16="http://schemas.microsoft.com/office/drawing/2014/main" id="{CB1A7659-7489-B8D5-9917-F6350C8942D8}"/>
+                </a:ext>
+              </a:extLst>
+            </p:cNvPr>
+            <p:cNvSpPr txBox="1"/>
+            <p:nvPr/>
+          </p:nvSpPr>
+          <p:spPr>
+            <a:xfrm>
+              <a:off x="6338460" y="1348827"/>
+              <a:ext cx="2027925" cy="246221"/>
+            </a:xfrm>
+            <a:prstGeom prst="rect">
+              <a:avLst/>
+            </a:prstGeom>
+            <a:noFill/>
+          </p:spPr>
+          <p:txBody>
+            <a:bodyPr wrap="square">
+              <a:spAutoFit/>
+            </a:bodyPr>
+            <a:lstStyle/>
+            <a:p>
+              <a:r>
+                <a:rPr lang="en-US" sz="1000" dirty="0">
+                  <a:solidFill>
+                    <a:schemeClr val="bg2">
+                      <a:lumMod val="25000"/>
+                    </a:schemeClr>
+                  </a:solidFill>
+                  <a:latin typeface="Times New Roman" panose="02020603050405020304" pitchFamily="18" charset="0"/>
+                  <a:ea typeface="Cambria Math" panose="02040503050406030204" pitchFamily="18" charset="0"/>
+                  <a:cs typeface="Times New Roman" panose="02020603050405020304" pitchFamily="18" charset="0"/>
+                </a:rPr>
+                <a:t>X </a:t>
+              </a:r>
+              <a:r>
+                <a:rPr lang="en-TH" sz="1000" dirty="0">
+                  <a:solidFill>
+                    <a:schemeClr val="bg2">
+                      <a:lumMod val="25000"/>
+                    </a:schemeClr>
+                  </a:solidFill>
+                  <a:latin typeface="Times New Roman" panose="02020603050405020304" pitchFamily="18" charset="0"/>
+                  <a:ea typeface="Cambria Math" panose="02040503050406030204" pitchFamily="18" charset="0"/>
+                  <a:cs typeface="Times New Roman" panose="02020603050405020304" pitchFamily="18" charset="0"/>
+                </a:rPr>
+                <a:t>= Inconsistent with experiment</a:t>
+              </a:r>
+            </a:p>
+          </p:txBody>
+        </p:sp>
+      </p:grpSp>
     </p:spTree>
     <p:extLst>
       <p:ext uri="{BB962C8B-B14F-4D97-AF65-F5344CB8AC3E}">

--- a/codes/simulate-SFig1/SFig.pptx
+++ b/codes/simulate-SFig1/SFig.pptx
@@ -243,7 +243,7 @@
           <a:p>
             <a:fld id="{1A055E0E-F744-A846-979B-447A7D44822A}" type="datetimeFigureOut">
               <a:rPr lang="en-TH" smtClean="0"/>
-              <a:t>30/4/2024 R</a:t>
+              <a:t>13/7/2024 R</a:t>
             </a:fld>
             <a:endParaRPr lang="en-TH"/>
           </a:p>
@@ -413,7 +413,7 @@
           <a:p>
             <a:fld id="{1A055E0E-F744-A846-979B-447A7D44822A}" type="datetimeFigureOut">
               <a:rPr lang="en-TH" smtClean="0"/>
-              <a:t>30/4/2024 R</a:t>
+              <a:t>13/7/2024 R</a:t>
             </a:fld>
             <a:endParaRPr lang="en-TH"/>
           </a:p>
@@ -593,7 +593,7 @@
           <a:p>
             <a:fld id="{1A055E0E-F744-A846-979B-447A7D44822A}" type="datetimeFigureOut">
               <a:rPr lang="en-TH" smtClean="0"/>
-              <a:t>30/4/2024 R</a:t>
+              <a:t>13/7/2024 R</a:t>
             </a:fld>
             <a:endParaRPr lang="en-TH"/>
           </a:p>
@@ -763,7 +763,7 @@
           <a:p>
             <a:fld id="{1A055E0E-F744-A846-979B-447A7D44822A}" type="datetimeFigureOut">
               <a:rPr lang="en-TH" smtClean="0"/>
-              <a:t>30/4/2024 R</a:t>
+              <a:t>13/7/2024 R</a:t>
             </a:fld>
             <a:endParaRPr lang="en-TH"/>
           </a:p>
@@ -1007,7 +1007,7 @@
           <a:p>
             <a:fld id="{1A055E0E-F744-A846-979B-447A7D44822A}" type="datetimeFigureOut">
               <a:rPr lang="en-TH" smtClean="0"/>
-              <a:t>30/4/2024 R</a:t>
+              <a:t>13/7/2024 R</a:t>
             </a:fld>
             <a:endParaRPr lang="en-TH"/>
           </a:p>
@@ -1239,7 +1239,7 @@
           <a:p>
             <a:fld id="{1A055E0E-F744-A846-979B-447A7D44822A}" type="datetimeFigureOut">
               <a:rPr lang="en-TH" smtClean="0"/>
-              <a:t>30/4/2024 R</a:t>
+              <a:t>13/7/2024 R</a:t>
             </a:fld>
             <a:endParaRPr lang="en-TH"/>
           </a:p>
@@ -1606,7 +1606,7 @@
           <a:p>
             <a:fld id="{1A055E0E-F744-A846-979B-447A7D44822A}" type="datetimeFigureOut">
               <a:rPr lang="en-TH" smtClean="0"/>
-              <a:t>30/4/2024 R</a:t>
+              <a:t>13/7/2024 R</a:t>
             </a:fld>
             <a:endParaRPr lang="en-TH"/>
           </a:p>
@@ -1724,7 +1724,7 @@
           <a:p>
             <a:fld id="{1A055E0E-F744-A846-979B-447A7D44822A}" type="datetimeFigureOut">
               <a:rPr lang="en-TH" smtClean="0"/>
-              <a:t>30/4/2024 R</a:t>
+              <a:t>13/7/2024 R</a:t>
             </a:fld>
             <a:endParaRPr lang="en-TH"/>
           </a:p>
@@ -1819,7 +1819,7 @@
           <a:p>
             <a:fld id="{1A055E0E-F744-A846-979B-447A7D44822A}" type="datetimeFigureOut">
               <a:rPr lang="en-TH" smtClean="0"/>
-              <a:t>30/4/2024 R</a:t>
+              <a:t>13/7/2024 R</a:t>
             </a:fld>
             <a:endParaRPr lang="en-TH"/>
           </a:p>
@@ -2096,7 +2096,7 @@
           <a:p>
             <a:fld id="{1A055E0E-F744-A846-979B-447A7D44822A}" type="datetimeFigureOut">
               <a:rPr lang="en-TH" smtClean="0"/>
-              <a:t>30/4/2024 R</a:t>
+              <a:t>13/7/2024 R</a:t>
             </a:fld>
             <a:endParaRPr lang="en-TH"/>
           </a:p>
@@ -2353,7 +2353,7 @@
           <a:p>
             <a:fld id="{1A055E0E-F744-A846-979B-447A7D44822A}" type="datetimeFigureOut">
               <a:rPr lang="en-TH" smtClean="0"/>
-              <a:t>30/4/2024 R</a:t>
+              <a:t>13/7/2024 R</a:t>
             </a:fld>
             <a:endParaRPr lang="en-TH"/>
           </a:p>
@@ -2566,7 +2566,7 @@
           <a:p>
             <a:fld id="{1A055E0E-F744-A846-979B-447A7D44822A}" type="datetimeFigureOut">
               <a:rPr lang="en-TH" smtClean="0"/>
-              <a:t>30/4/2024 R</a:t>
+              <a:t>13/7/2024 R</a:t>
             </a:fld>
             <a:endParaRPr lang="en-TH"/>
           </a:p>
@@ -3072,12 +3072,120 @@
           </a:p>
         </p:txBody>
       </p:sp>
+      <p:sp>
+        <p:nvSpPr>
+          <p:cNvPr id="9" name="TextBox 8">
+            <a:extLst>
+              <a:ext uri="{FF2B5EF4-FFF2-40B4-BE49-F238E27FC236}">
+                <a16:creationId xmlns:a16="http://schemas.microsoft.com/office/drawing/2014/main" id="{7FEFB86B-5216-70A7-6C70-1CDD94867554}"/>
+              </a:ext>
+            </a:extLst>
+          </p:cNvPr>
+          <p:cNvSpPr txBox="1"/>
+          <p:nvPr/>
+        </p:nvSpPr>
+        <p:spPr>
+          <a:xfrm>
+            <a:off x="138896" y="1276843"/>
+            <a:ext cx="2027925" cy="307777"/>
+          </a:xfrm>
+          <a:prstGeom prst="rect">
+            <a:avLst/>
+          </a:prstGeom>
+          <a:noFill/>
+        </p:spPr>
+        <p:txBody>
+          <a:bodyPr wrap="square" rtlCol="0">
+            <a:spAutoFit/>
+          </a:bodyPr>
+          <a:lstStyle/>
+          <a:p>
+            <a:r>
+              <a:rPr lang="en-US" sz="1400" dirty="0">
+                <a:solidFill>
+                  <a:schemeClr val="bg2">
+                    <a:lumMod val="25000"/>
+                  </a:schemeClr>
+                </a:solidFill>
+                <a:latin typeface="Times New Roman" panose="02020603050405020304" pitchFamily="18" charset="0"/>
+                <a:ea typeface="Cambria Math" panose="02040503050406030204" pitchFamily="18" charset="0"/>
+                <a:cs typeface="Times New Roman" panose="02020603050405020304" pitchFamily="18" charset="0"/>
+              </a:rPr>
+              <a:t>A)</a:t>
+            </a:r>
+            <a:endParaRPr lang="en-TH" sz="1400" dirty="0">
+              <a:solidFill>
+                <a:schemeClr val="bg2">
+                  <a:lumMod val="25000"/>
+                </a:schemeClr>
+              </a:solidFill>
+              <a:latin typeface="Times New Roman" panose="02020603050405020304" pitchFamily="18" charset="0"/>
+              <a:ea typeface="Cambria Math" panose="02040503050406030204" pitchFamily="18" charset="0"/>
+              <a:cs typeface="Times New Roman" panose="02020603050405020304" pitchFamily="18" charset="0"/>
+            </a:endParaRPr>
+          </a:p>
+        </p:txBody>
+      </p:sp>
+      <p:sp>
+        <p:nvSpPr>
+          <p:cNvPr id="10" name="TextBox 9">
+            <a:extLst>
+              <a:ext uri="{FF2B5EF4-FFF2-40B4-BE49-F238E27FC236}">
+                <a16:creationId xmlns:a16="http://schemas.microsoft.com/office/drawing/2014/main" id="{417D5302-7A79-93FC-097D-520551D931A4}"/>
+              </a:ext>
+            </a:extLst>
+          </p:cNvPr>
+          <p:cNvSpPr txBox="1"/>
+          <p:nvPr/>
+        </p:nvSpPr>
+        <p:spPr>
+          <a:xfrm>
+            <a:off x="4546675" y="1233250"/>
+            <a:ext cx="2027925" cy="307777"/>
+          </a:xfrm>
+          <a:prstGeom prst="rect">
+            <a:avLst/>
+          </a:prstGeom>
+          <a:noFill/>
+        </p:spPr>
+        <p:txBody>
+          <a:bodyPr wrap="square" rtlCol="0">
+            <a:spAutoFit/>
+          </a:bodyPr>
+          <a:lstStyle/>
+          <a:p>
+            <a:r>
+              <a:rPr lang="en-US" sz="1400" dirty="0">
+                <a:solidFill>
+                  <a:schemeClr val="bg2">
+                    <a:lumMod val="25000"/>
+                  </a:schemeClr>
+                </a:solidFill>
+                <a:latin typeface="Times New Roman" panose="02020603050405020304" pitchFamily="18" charset="0"/>
+                <a:ea typeface="Cambria Math" panose="02040503050406030204" pitchFamily="18" charset="0"/>
+                <a:cs typeface="Times New Roman" panose="02020603050405020304" pitchFamily="18" charset="0"/>
+              </a:rPr>
+              <a:t>B)</a:t>
+            </a:r>
+            <a:endParaRPr lang="en-TH" sz="1400" dirty="0">
+              <a:solidFill>
+                <a:schemeClr val="bg2">
+                  <a:lumMod val="25000"/>
+                </a:schemeClr>
+              </a:solidFill>
+              <a:latin typeface="Times New Roman" panose="02020603050405020304" pitchFamily="18" charset="0"/>
+              <a:ea typeface="Cambria Math" panose="02040503050406030204" pitchFamily="18" charset="0"/>
+              <a:cs typeface="Times New Roman" panose="02020603050405020304" pitchFamily="18" charset="0"/>
+            </a:endParaRPr>
+          </a:p>
+        </p:txBody>
+      </p:sp>
       <p:pic>
         <p:nvPicPr>
-          <p:cNvPr id="6" name="Picture 5">
+          <p:cNvPr id="3" name="Picture 2">
             <a:extLst>
               <a:ext uri="{FF2B5EF4-FFF2-40B4-BE49-F238E27FC236}">
-                <a16:creationId xmlns:a16="http://schemas.microsoft.com/office/drawing/2014/main" id="{1607AF37-72FD-DE0E-47F1-C9F000217E82}"/>
+                <a16:creationId xmlns:a16="http://schemas.microsoft.com/office/drawing/2014/main" id="{A17670B7-6616-5D14-0780-AF41D8E780D1}"/>
               </a:ext>
             </a:extLst>
           </p:cNvPr>
@@ -3088,127 +3196,19 @@
         </p:nvPicPr>
         <p:blipFill rotWithShape="1">
           <a:blip r:embed="rId3"/>
-          <a:srcRect r="6776"/>
+          <a:srcRect r="6881"/>
           <a:stretch/>
         </p:blipFill>
         <p:spPr>
           <a:xfrm>
-            <a:off x="438774" y="1471938"/>
-            <a:ext cx="3938851" cy="4225159"/>
+            <a:off x="349897" y="1584620"/>
+            <a:ext cx="3828563" cy="4111480"/>
           </a:xfrm>
           <a:prstGeom prst="rect">
             <a:avLst/>
           </a:prstGeom>
         </p:spPr>
       </p:pic>
-      <p:sp>
-        <p:nvSpPr>
-          <p:cNvPr id="9" name="TextBox 8">
-            <a:extLst>
-              <a:ext uri="{FF2B5EF4-FFF2-40B4-BE49-F238E27FC236}">
-                <a16:creationId xmlns:a16="http://schemas.microsoft.com/office/drawing/2014/main" id="{7FEFB86B-5216-70A7-6C70-1CDD94867554}"/>
-              </a:ext>
-            </a:extLst>
-          </p:cNvPr>
-          <p:cNvSpPr txBox="1"/>
-          <p:nvPr/>
-        </p:nvSpPr>
-        <p:spPr>
-          <a:xfrm>
-            <a:off x="127322" y="1233250"/>
-            <a:ext cx="2027925" cy="307777"/>
-          </a:xfrm>
-          <a:prstGeom prst="rect">
-            <a:avLst/>
-          </a:prstGeom>
-          <a:noFill/>
-        </p:spPr>
-        <p:txBody>
-          <a:bodyPr wrap="square" rtlCol="0">
-            <a:spAutoFit/>
-          </a:bodyPr>
-          <a:lstStyle/>
-          <a:p>
-            <a:r>
-              <a:rPr lang="en-US" sz="1400" b="1" dirty="0">
-                <a:solidFill>
-                  <a:schemeClr val="bg2">
-                    <a:lumMod val="25000"/>
-                  </a:schemeClr>
-                </a:solidFill>
-                <a:latin typeface="Times New Roman" panose="02020603050405020304" pitchFamily="18" charset="0"/>
-                <a:ea typeface="Cambria Math" panose="02040503050406030204" pitchFamily="18" charset="0"/>
-                <a:cs typeface="Times New Roman" panose="02020603050405020304" pitchFamily="18" charset="0"/>
-              </a:rPr>
-              <a:t>A)</a:t>
-            </a:r>
-            <a:endParaRPr lang="en-TH" sz="1400" b="1" dirty="0">
-              <a:solidFill>
-                <a:schemeClr val="bg2">
-                  <a:lumMod val="25000"/>
-                </a:schemeClr>
-              </a:solidFill>
-              <a:latin typeface="Times New Roman" panose="02020603050405020304" pitchFamily="18" charset="0"/>
-              <a:ea typeface="Cambria Math" panose="02040503050406030204" pitchFamily="18" charset="0"/>
-              <a:cs typeface="Times New Roman" panose="02020603050405020304" pitchFamily="18" charset="0"/>
-            </a:endParaRPr>
-          </a:p>
-        </p:txBody>
-      </p:sp>
-      <p:sp>
-        <p:nvSpPr>
-          <p:cNvPr id="10" name="TextBox 9">
-            <a:extLst>
-              <a:ext uri="{FF2B5EF4-FFF2-40B4-BE49-F238E27FC236}">
-                <a16:creationId xmlns:a16="http://schemas.microsoft.com/office/drawing/2014/main" id="{417D5302-7A79-93FC-097D-520551D931A4}"/>
-              </a:ext>
-            </a:extLst>
-          </p:cNvPr>
-          <p:cNvSpPr txBox="1"/>
-          <p:nvPr/>
-        </p:nvSpPr>
-        <p:spPr>
-          <a:xfrm>
-            <a:off x="4546675" y="1233250"/>
-            <a:ext cx="2027925" cy="307777"/>
-          </a:xfrm>
-          <a:prstGeom prst="rect">
-            <a:avLst/>
-          </a:prstGeom>
-          <a:noFill/>
-        </p:spPr>
-        <p:txBody>
-          <a:bodyPr wrap="square" rtlCol="0">
-            <a:spAutoFit/>
-          </a:bodyPr>
-          <a:lstStyle/>
-          <a:p>
-            <a:r>
-              <a:rPr lang="en-US" sz="1400" b="1" dirty="0">
-                <a:solidFill>
-                  <a:schemeClr val="bg2">
-                    <a:lumMod val="25000"/>
-                  </a:schemeClr>
-                </a:solidFill>
-                <a:latin typeface="Times New Roman" panose="02020603050405020304" pitchFamily="18" charset="0"/>
-                <a:ea typeface="Cambria Math" panose="02040503050406030204" pitchFamily="18" charset="0"/>
-                <a:cs typeface="Times New Roman" panose="02020603050405020304" pitchFamily="18" charset="0"/>
-              </a:rPr>
-              <a:t>B)</a:t>
-            </a:r>
-            <a:endParaRPr lang="en-TH" sz="1400" b="1" dirty="0">
-              <a:solidFill>
-                <a:schemeClr val="bg2">
-                  <a:lumMod val="25000"/>
-                </a:schemeClr>
-              </a:solidFill>
-              <a:latin typeface="Times New Roman" panose="02020603050405020304" pitchFamily="18" charset="0"/>
-              <a:ea typeface="Cambria Math" panose="02040503050406030204" pitchFamily="18" charset="0"/>
-              <a:cs typeface="Times New Roman" panose="02020603050405020304" pitchFamily="18" charset="0"/>
-            </a:endParaRPr>
-          </a:p>
-        </p:txBody>
-      </p:sp>
     </p:spTree>
     <p:extLst>
       <p:ext uri="{BB962C8B-B14F-4D97-AF65-F5344CB8AC3E}">

--- a/codes/simulate-SFig1/SFig.pptx
+++ b/codes/simulate-SFig1/SFig.pptx
@@ -243,7 +243,7 @@
           <a:p>
             <a:fld id="{1A055E0E-F744-A846-979B-447A7D44822A}" type="datetimeFigureOut">
               <a:rPr lang="en-TH" smtClean="0"/>
-              <a:t>13/7/2024 R</a:t>
+              <a:t>23/7/2024 R</a:t>
             </a:fld>
             <a:endParaRPr lang="en-TH"/>
           </a:p>
@@ -413,7 +413,7 @@
           <a:p>
             <a:fld id="{1A055E0E-F744-A846-979B-447A7D44822A}" type="datetimeFigureOut">
               <a:rPr lang="en-TH" smtClean="0"/>
-              <a:t>13/7/2024 R</a:t>
+              <a:t>23/7/2024 R</a:t>
             </a:fld>
             <a:endParaRPr lang="en-TH"/>
           </a:p>
@@ -593,7 +593,7 @@
           <a:p>
             <a:fld id="{1A055E0E-F744-A846-979B-447A7D44822A}" type="datetimeFigureOut">
               <a:rPr lang="en-TH" smtClean="0"/>
-              <a:t>13/7/2024 R</a:t>
+              <a:t>23/7/2024 R</a:t>
             </a:fld>
             <a:endParaRPr lang="en-TH"/>
           </a:p>
@@ -763,7 +763,7 @@
           <a:p>
             <a:fld id="{1A055E0E-F744-A846-979B-447A7D44822A}" type="datetimeFigureOut">
               <a:rPr lang="en-TH" smtClean="0"/>
-              <a:t>13/7/2024 R</a:t>
+              <a:t>23/7/2024 R</a:t>
             </a:fld>
             <a:endParaRPr lang="en-TH"/>
           </a:p>
@@ -1007,7 +1007,7 @@
           <a:p>
             <a:fld id="{1A055E0E-F744-A846-979B-447A7D44822A}" type="datetimeFigureOut">
               <a:rPr lang="en-TH" smtClean="0"/>
-              <a:t>13/7/2024 R</a:t>
+              <a:t>23/7/2024 R</a:t>
             </a:fld>
             <a:endParaRPr lang="en-TH"/>
           </a:p>
@@ -1239,7 +1239,7 @@
           <a:p>
             <a:fld id="{1A055E0E-F744-A846-979B-447A7D44822A}" type="datetimeFigureOut">
               <a:rPr lang="en-TH" smtClean="0"/>
-              <a:t>13/7/2024 R</a:t>
+              <a:t>23/7/2024 R</a:t>
             </a:fld>
             <a:endParaRPr lang="en-TH"/>
           </a:p>
@@ -1606,7 +1606,7 @@
           <a:p>
             <a:fld id="{1A055E0E-F744-A846-979B-447A7D44822A}" type="datetimeFigureOut">
               <a:rPr lang="en-TH" smtClean="0"/>
-              <a:t>13/7/2024 R</a:t>
+              <a:t>23/7/2024 R</a:t>
             </a:fld>
             <a:endParaRPr lang="en-TH"/>
           </a:p>
@@ -1724,7 +1724,7 @@
           <a:p>
             <a:fld id="{1A055E0E-F744-A846-979B-447A7D44822A}" type="datetimeFigureOut">
               <a:rPr lang="en-TH" smtClean="0"/>
-              <a:t>13/7/2024 R</a:t>
+              <a:t>23/7/2024 R</a:t>
             </a:fld>
             <a:endParaRPr lang="en-TH"/>
           </a:p>
@@ -1819,7 +1819,7 @@
           <a:p>
             <a:fld id="{1A055E0E-F744-A846-979B-447A7D44822A}" type="datetimeFigureOut">
               <a:rPr lang="en-TH" smtClean="0"/>
-              <a:t>13/7/2024 R</a:t>
+              <a:t>23/7/2024 R</a:t>
             </a:fld>
             <a:endParaRPr lang="en-TH"/>
           </a:p>
@@ -2096,7 +2096,7 @@
           <a:p>
             <a:fld id="{1A055E0E-F744-A846-979B-447A7D44822A}" type="datetimeFigureOut">
               <a:rPr lang="en-TH" smtClean="0"/>
-              <a:t>13/7/2024 R</a:t>
+              <a:t>23/7/2024 R</a:t>
             </a:fld>
             <a:endParaRPr lang="en-TH"/>
           </a:p>
@@ -2353,7 +2353,7 @@
           <a:p>
             <a:fld id="{1A055E0E-F744-A846-979B-447A7D44822A}" type="datetimeFigureOut">
               <a:rPr lang="en-TH" smtClean="0"/>
-              <a:t>13/7/2024 R</a:t>
+              <a:t>23/7/2024 R</a:t>
             </a:fld>
             <a:endParaRPr lang="en-TH"/>
           </a:p>
@@ -2566,7 +2566,7 @@
           <a:p>
             <a:fld id="{1A055E0E-F744-A846-979B-447A7D44822A}" type="datetimeFigureOut">
               <a:rPr lang="en-TH" smtClean="0"/>
-              <a:t>13/7/2024 R</a:t>
+              <a:t>23/7/2024 R</a:t>
             </a:fld>
             <a:endParaRPr lang="en-TH"/>
           </a:p>
@@ -3182,10 +3182,10 @@
       </p:sp>
       <p:pic>
         <p:nvPicPr>
-          <p:cNvPr id="3" name="Picture 2">
+          <p:cNvPr id="5" name="Picture 4">
             <a:extLst>
               <a:ext uri="{FF2B5EF4-FFF2-40B4-BE49-F238E27FC236}">
-                <a16:creationId xmlns:a16="http://schemas.microsoft.com/office/drawing/2014/main" id="{A17670B7-6616-5D14-0780-AF41D8E780D1}"/>
+                <a16:creationId xmlns:a16="http://schemas.microsoft.com/office/drawing/2014/main" id="{BA0ABA01-7EE9-95F9-FF48-39B342245192}"/>
               </a:ext>
             </a:extLst>
           </p:cNvPr>
@@ -3196,13 +3196,13 @@
         </p:nvPicPr>
         <p:blipFill rotWithShape="1">
           <a:blip r:embed="rId3"/>
-          <a:srcRect r="6881"/>
+          <a:srcRect r="6666"/>
           <a:stretch/>
         </p:blipFill>
         <p:spPr>
           <a:xfrm>
-            <a:off x="349897" y="1584620"/>
-            <a:ext cx="3828563" cy="4111480"/>
+            <a:off x="524481" y="1555933"/>
+            <a:ext cx="3886566" cy="4164178"/>
           </a:xfrm>
           <a:prstGeom prst="rect">
             <a:avLst/>
